--- a/docs/BSOL_CVD_PREVENT 2.pptx
+++ b/docs/BSOL_CVD_PREVENT 2.pptx
@@ -316,6 +316,79 @@
     </p:ext>
   </p:extLst>
 </p:presentation>
+</file>
+
+<file path=ppt/revisionInfo.xml><?xml version="1.0" encoding="utf-8"?>
+<p1510:revInfo xmlns:a="http://schemas.openxmlformats.org/drawingml/2006/main" xmlns:r="http://schemas.openxmlformats.org/officeDocument/2006/relationships" xmlns:p1510="http://schemas.microsoft.com/office/powerpoint/2015/10/main">
+  <p1510:revLst>
+    <p1510:client id="{3EFD7702-824F-419D-B199-08502D51E355}" v="2" dt="2024-04-22T11:32:04.260"/>
+  </p1510:revLst>
+</p1510:revInfo>
+</file>
+
+<file path=ppt/changesInfos/changesInfo1.xml><?xml version="1.0" encoding="utf-8"?>
+<pc:chgInfo xmlns:a="http://schemas.openxmlformats.org/drawingml/2006/main" xmlns:r="http://schemas.openxmlformats.org/officeDocument/2006/relationships" xmlns:ac="http://schemas.microsoft.com/office/drawing/2013/main/command" xmlns:pc="http://schemas.microsoft.com/office/powerpoint/2013/main/command">
+  <pc:docChgLst>
+    <pc:chgData name="Chris Mainey (Birmingham and Solihull ICB)" userId="83cb5dc8-9a09-4a44-9ce2-4fc25a6b0b82" providerId="ADAL" clId="{3EFD7702-824F-419D-B199-08502D51E355}"/>
+    <pc:docChg chg="custSel modMainMaster">
+      <pc:chgData name="Chris Mainey (Birmingham and Solihull ICB)" userId="83cb5dc8-9a09-4a44-9ce2-4fc25a6b0b82" providerId="ADAL" clId="{3EFD7702-824F-419D-B199-08502D51E355}" dt="2024-04-22T11:32:25.319" v="5" actId="6014"/>
+      <pc:docMkLst>
+        <pc:docMk/>
+      </pc:docMkLst>
+      <pc:sldMasterChg chg="modSldLayout">
+        <pc:chgData name="Chris Mainey (Birmingham and Solihull ICB)" userId="83cb5dc8-9a09-4a44-9ce2-4fc25a6b0b82" providerId="ADAL" clId="{3EFD7702-824F-419D-B199-08502D51E355}" dt="2024-04-22T11:32:25.319" v="5" actId="6014"/>
+        <pc:sldMasterMkLst>
+          <pc:docMk/>
+          <pc:sldMasterMk cId="0" sldId="2147483648"/>
+        </pc:sldMasterMkLst>
+        <pc:sldLayoutChg chg="addSp delSp modSp mod">
+          <pc:chgData name="Chris Mainey (Birmingham and Solihull ICB)" userId="83cb5dc8-9a09-4a44-9ce2-4fc25a6b0b82" providerId="ADAL" clId="{3EFD7702-824F-419D-B199-08502D51E355}" dt="2024-04-22T11:32:25.319" v="5" actId="6014"/>
+          <pc:sldLayoutMkLst>
+            <pc:docMk/>
+            <pc:sldMasterMk cId="0" sldId="2147483648"/>
+            <pc:sldLayoutMk cId="2359834050" sldId="2147483682"/>
+          </pc:sldLayoutMkLst>
+          <pc:spChg chg="add mod">
+            <ac:chgData name="Chris Mainey (Birmingham and Solihull ICB)" userId="83cb5dc8-9a09-4a44-9ce2-4fc25a6b0b82" providerId="ADAL" clId="{3EFD7702-824F-419D-B199-08502D51E355}" dt="2024-04-22T11:32:10.500" v="4" actId="1076"/>
+            <ac:spMkLst>
+              <pc:docMk/>
+              <pc:sldMasterMk cId="0" sldId="2147483648"/>
+              <pc:sldLayoutMk cId="2359834050" sldId="2147483682"/>
+              <ac:spMk id="2" creationId="{375B463E-6873-F91E-A78B-D6289EC1FD64}"/>
+            </ac:spMkLst>
+          </pc:spChg>
+          <pc:spChg chg="del">
+            <ac:chgData name="Chris Mainey (Birmingham and Solihull ICB)" userId="83cb5dc8-9a09-4a44-9ce2-4fc25a6b0b82" providerId="ADAL" clId="{3EFD7702-824F-419D-B199-08502D51E355}" dt="2024-04-22T11:31:41.131" v="0" actId="478"/>
+            <ac:spMkLst>
+              <pc:docMk/>
+              <pc:sldMasterMk cId="0" sldId="2147483648"/>
+              <pc:sldLayoutMk cId="2359834050" sldId="2147483682"/>
+              <ac:spMk id="6" creationId="{73236C5D-72DB-1A95-5A9F-CED71A68C00F}"/>
+            </ac:spMkLst>
+          </pc:spChg>
+          <pc:spChg chg="del">
+            <ac:chgData name="Chris Mainey (Birmingham and Solihull ICB)" userId="83cb5dc8-9a09-4a44-9ce2-4fc25a6b0b82" providerId="ADAL" clId="{3EFD7702-824F-419D-B199-08502D51E355}" dt="2024-04-22T11:31:42.892" v="2" actId="478"/>
+            <ac:spMkLst>
+              <pc:docMk/>
+              <pc:sldMasterMk cId="0" sldId="2147483648"/>
+              <pc:sldLayoutMk cId="2359834050" sldId="2147483682"/>
+              <ac:spMk id="12" creationId="{69EECE0F-A8CA-39F6-1B9C-BFE80D483530}"/>
+            </ac:spMkLst>
+          </pc:spChg>
+          <pc:cxnChg chg="del">
+            <ac:chgData name="Chris Mainey (Birmingham and Solihull ICB)" userId="83cb5dc8-9a09-4a44-9ce2-4fc25a6b0b82" providerId="ADAL" clId="{3EFD7702-824F-419D-B199-08502D51E355}" dt="2024-04-22T11:31:41.963" v="1" actId="478"/>
+            <ac:cxnSpMkLst>
+              <pc:docMk/>
+              <pc:sldMasterMk cId="0" sldId="2147483648"/>
+              <pc:sldLayoutMk cId="2359834050" sldId="2147483682"/>
+              <ac:cxnSpMk id="3" creationId="{A29A1454-1C81-993F-0152-D522B63F166E}"/>
+            </ac:cxnSpMkLst>
+          </pc:cxnChg>
+        </pc:sldLayoutChg>
+      </pc:sldMasterChg>
+    </pc:docChg>
+  </pc:docChgLst>
+</pc:chgInfo>
 </file>
 
 <file path=ppt/notesMasters/notesMaster1.xml><?xml version="1.0" encoding="utf-8"?>
@@ -1071,6 +1144,217 @@
 </p:sldLayout>
 </file>
 
+<file path=ppt/slideLayouts/slideLayout3.xml><?xml version="1.0" encoding="utf-8"?>
+<p:sldLayout xmlns:a="http://schemas.openxmlformats.org/drawingml/2006/main" xmlns:r="http://schemas.openxmlformats.org/officeDocument/2006/relationships" xmlns:p="http://schemas.openxmlformats.org/presentationml/2006/main" preserve="1" userDrawn="1">
+  <p:cSld name="Transition">
+    <p:bg>
+      <p:bgPr>
+        <a:blipFill dpi="0" rotWithShape="1">
+          <a:blip r:embed="rId2">
+            <a:lum/>
+          </a:blip>
+          <a:srcRect/>
+          <a:stretch>
+            <a:fillRect/>
+          </a:stretch>
+        </a:blipFill>
+        <a:effectLst/>
+      </p:bgPr>
+    </p:bg>
+    <p:spTree>
+      <p:nvGrpSpPr>
+        <p:cNvPr id="1" name=""/>
+        <p:cNvGrpSpPr/>
+        <p:nvPr/>
+      </p:nvGrpSpPr>
+      <p:grpSpPr>
+        <a:xfrm>
+          <a:off x="0" y="0"/>
+          <a:ext cx="0" cy="0"/>
+          <a:chOff x="0" y="0"/>
+          <a:chExt cx="0" cy="0"/>
+        </a:xfrm>
+      </p:grpSpPr>
+      <p:pic>
+        <p:nvPicPr>
+          <p:cNvPr id="9" name="image6.png" descr="image6.png">
+            <a:extLst>
+              <a:ext uri="{FF2B5EF4-FFF2-40B4-BE49-F238E27FC236}">
+                <a16:creationId xmlns:a16="http://schemas.microsoft.com/office/drawing/2014/main" id="{3EA599B0-2E08-A943-9760-422D6D5DFFBB}"/>
+              </a:ext>
+            </a:extLst>
+          </p:cNvPr>
+          <p:cNvPicPr>
+            <a:picLocks noChangeAspect="1"/>
+          </p:cNvPicPr>
+          <p:nvPr userDrawn="1"/>
+        </p:nvPicPr>
+        <p:blipFill>
+          <a:blip r:embed="rId3"/>
+          <a:stretch>
+            <a:fillRect/>
+          </a:stretch>
+        </p:blipFill>
+        <p:spPr>
+          <a:xfrm>
+            <a:off x="274015" y="253752"/>
+            <a:ext cx="2793707" cy="979185"/>
+          </a:xfrm>
+          <a:prstGeom prst="rect">
+            <a:avLst/>
+          </a:prstGeom>
+          <a:ln w="12700">
+            <a:miter lim="400000"/>
+          </a:ln>
+        </p:spPr>
+      </p:pic>
+      <p:sp>
+        <p:nvSpPr>
+          <p:cNvPr id="16" name="TextBox 15">
+            <a:extLst>
+              <a:ext uri="{FF2B5EF4-FFF2-40B4-BE49-F238E27FC236}">
+                <a16:creationId xmlns:a16="http://schemas.microsoft.com/office/drawing/2014/main" id="{72D372B0-C730-8101-D302-F8AF276C0790}"/>
+              </a:ext>
+            </a:extLst>
+          </p:cNvPr>
+          <p:cNvSpPr txBox="1"/>
+          <p:nvPr userDrawn="1"/>
+        </p:nvSpPr>
+        <p:spPr>
+          <a:xfrm>
+            <a:off x="-89661" y="13012204"/>
+            <a:ext cx="1224459" cy="471924"/>
+          </a:xfrm>
+          <a:prstGeom prst="rect">
+            <a:avLst/>
+          </a:prstGeom>
+          <a:noFill/>
+          <a:ln w="12700" cap="flat">
+            <a:noFill/>
+            <a:miter lim="400000"/>
+          </a:ln>
+          <a:effectLst/>
+          <a:sp3d/>
+        </p:spPr>
+        <p:style>
+          <a:lnRef idx="0">
+            <a:scrgbClr r="0" g="0" b="0"/>
+          </a:lnRef>
+          <a:fillRef idx="0">
+            <a:scrgbClr r="0" g="0" b="0"/>
+          </a:fillRef>
+          <a:effectRef idx="0">
+            <a:scrgbClr r="0" g="0" b="0"/>
+          </a:effectRef>
+          <a:fontRef idx="none"/>
+        </p:style>
+        <p:txBody>
+          <a:bodyPr rot="0" spcFirstLastPara="1" vertOverflow="overflow" horzOverflow="overflow" vert="horz" wrap="square" lIns="50800" tIns="50800" rIns="50800" bIns="50800" numCol="1" spcCol="38100" rtlCol="0" anchor="ctr">
+            <a:spAutoFit/>
+          </a:bodyPr>
+          <a:lstStyle/>
+          <a:p>
+            <a:pPr marL="0" marR="0" indent="0" algn="ctr" defTabSz="2438338" rtl="0" fontAlgn="auto" latinLnBrk="0" hangingPunct="0">
+              <a:lnSpc>
+                <a:spcPct val="100000"/>
+              </a:lnSpc>
+              <a:spcBef>
+                <a:spcPts val="0"/>
+              </a:spcBef>
+              <a:spcAft>
+                <a:spcPts val="0"/>
+              </a:spcAft>
+              <a:buClrTx/>
+              <a:buSzTx/>
+              <a:buFontTx/>
+              <a:buNone/>
+              <a:tabLst/>
+            </a:pPr>
+            <a:fld id="{A5FA6787-CF3A-3546-9587-478617E7928F}" type="slidenum">
+              <a:rPr kumimoji="0" lang="en-US" sz="2400" b="0" i="0" u="none" strike="noStrike" cap="none" spc="0" normalizeH="0" baseline="0" smtClean="0">
+                <a:ln>
+                  <a:noFill/>
+                </a:ln>
+                <a:solidFill>
+                  <a:srgbClr val="5E5E5E"/>
+                </a:solidFill>
+                <a:effectLst/>
+                <a:uFillTx/>
+                <a:latin typeface="+mn-lt"/>
+                <a:ea typeface="+mn-ea"/>
+                <a:cs typeface="+mn-cs"/>
+                <a:sym typeface="Helvetica Neue"/>
+              </a:rPr>
+              <a:t>‹#›</a:t>
+            </a:fld>
+            <a:endParaRPr kumimoji="0" lang="en-US" sz="2400" b="0" i="0" u="none" strike="noStrike" cap="none" spc="0" normalizeH="0" baseline="0" dirty="0">
+              <a:ln>
+                <a:noFill/>
+              </a:ln>
+              <a:solidFill>
+                <a:srgbClr val="5E5E5E"/>
+              </a:solidFill>
+              <a:effectLst/>
+              <a:uFillTx/>
+              <a:latin typeface="+mn-lt"/>
+              <a:ea typeface="+mn-ea"/>
+              <a:cs typeface="+mn-cs"/>
+              <a:sym typeface="Helvetica Neue"/>
+            </a:endParaRPr>
+          </a:p>
+        </p:txBody>
+      </p:sp>
+      <p:sp>
+        <p:nvSpPr>
+          <p:cNvPr id="2" name="Title 1">
+            <a:extLst>
+              <a:ext uri="{FF2B5EF4-FFF2-40B4-BE49-F238E27FC236}">
+                <a16:creationId xmlns:a16="http://schemas.microsoft.com/office/drawing/2014/main" id="{375B463E-6873-F91E-A78B-D6289EC1FD64}"/>
+              </a:ext>
+            </a:extLst>
+          </p:cNvPr>
+          <p:cNvSpPr>
+            <a:spLocks noGrp="1"/>
+          </p:cNvSpPr>
+          <p:nvPr>
+            <p:ph type="title"/>
+          </p:nvPr>
+        </p:nvSpPr>
+        <p:spPr>
+          <a:xfrm>
+            <a:off x="1670868" y="6333028"/>
+            <a:ext cx="21031200" cy="2651125"/>
+          </a:xfrm>
+          <a:prstGeom prst="rect">
+            <a:avLst/>
+          </a:prstGeom>
+        </p:spPr>
+        <p:txBody>
+          <a:bodyPr/>
+          <a:lstStyle/>
+          <a:p>
+            <a:r>
+              <a:rPr lang="en-US"/>
+              <a:t>Click to edit Master title style</a:t>
+            </a:r>
+            <a:endParaRPr lang="en-GB"/>
+          </a:p>
+        </p:txBody>
+      </p:sp>
+    </p:spTree>
+    <p:extLst>
+      <p:ext uri="{BB962C8B-B14F-4D97-AF65-F5344CB8AC3E}">
+        <p14:creationId xmlns:p14="http://schemas.microsoft.com/office/powerpoint/2010/main" val="2359834050"/>
+      </p:ext>
+    </p:extLst>
+  </p:cSld>
+  <p:clrMapOvr>
+    <a:masterClrMapping/>
+  </p:clrMapOvr>
+  <p:transition spd="med"/>
+</p:sldLayout>
+</file>
+
 <file path=ppt/slideMasters/slideMaster1.xml><?xml version="1.0" encoding="utf-8"?>
 <p:sldMaster xmlns:a="http://schemas.openxmlformats.org/drawingml/2006/main" xmlns:r="http://schemas.openxmlformats.org/officeDocument/2006/relationships" xmlns:p="http://schemas.openxmlformats.org/presentationml/2006/main">
   <p:cSld>
@@ -1102,6 +1386,7 @@
   <p:sldLayoutIdLst>
     <p:sldLayoutId id="2147483672" r:id="rId1"/>
     <p:sldLayoutId id="2147483681" r:id="rId2"/>
+    <p:sldLayoutId id="2147483682" r:id="rId3"/>
   </p:sldLayoutIdLst>
   <p:transition spd="med"/>
   <p:hf hdr="0" dt="0"/>
@@ -4105,26 +4390,6 @@
 </file>
 
 <file path=customXml/item1.xml><?xml version="1.0" encoding="utf-8"?>
-<?mso-contentType ?>
-<FormTemplates xmlns="http://schemas.microsoft.com/sharepoint/v3/contenttype/forms">
-  <Display>DocumentLibraryForm</Display>
-  <Edit>DocumentLibraryForm</Edit>
-  <New>DocumentLibraryForm</New>
-</FormTemplates>
-</file>
-
-<file path=customXml/item2.xml><?xml version="1.0" encoding="utf-8"?>
-<p:properties xmlns:p="http://schemas.microsoft.com/office/2006/metadata/properties" xmlns:xsi="http://www.w3.org/2001/XMLSchema-instance" xmlns:pc="http://schemas.microsoft.com/office/infopath/2007/PartnerControls">
-  <documentManagement>
-    <lcf76f155ced4ddcb4097134ff3c332f xmlns="313b7cf0-601a-4586-b26f-7ab1bafa9146">
-      <Terms xmlns="http://schemas.microsoft.com/office/infopath/2007/PartnerControls"/>
-    </lcf76f155ced4ddcb4097134ff3c332f>
-    <TaxCatchAll xmlns="80ab13a8-1c09-4e20-8cc8-05a062865b29" xsi:nil="true"/>
-  </documentManagement>
-</p:properties>
-</file>
-
-<file path=customXml/item3.xml><?xml version="1.0" encoding="utf-8"?>
 <ct:contentTypeSchema xmlns:ct="http://schemas.microsoft.com/office/2006/metadata/contentType" xmlns:ma="http://schemas.microsoft.com/office/2006/metadata/properties/metaAttributes" ct:_="" ma:_="" ma:contentTypeName="Document" ma:contentTypeID="0x010100C0297980B52F0F479CD303984C45BBF8" ma:contentTypeVersion="16" ma:contentTypeDescription="Create a new document." ma:contentTypeScope="" ma:versionID="2bbcfdb5a5645baf73cc7e7888fa540f">
   <xsd:schema xmlns:xsd="http://www.w3.org/2001/XMLSchema" xmlns:xs="http://www.w3.org/2001/XMLSchema" xmlns:p="http://schemas.microsoft.com/office/2006/metadata/properties" xmlns:ns2="80ab13a8-1c09-4e20-8cc8-05a062865b29" xmlns:ns3="313b7cf0-601a-4586-b26f-7ab1bafa9146" targetNamespace="http://schemas.microsoft.com/office/2006/metadata/properties" ma:root="true" ma:fieldsID="2fb71bddcc6192cba487a370b57283d1" ns2:_="" ns3:_="">
     <xsd:import namespace="80ab13a8-1c09-4e20-8cc8-05a062865b29"/>
@@ -4367,10 +4632,41 @@
 </ct:contentTypeSchema>
 </file>
 
+<file path=customXml/item2.xml><?xml version="1.0" encoding="utf-8"?>
+<p:properties xmlns:p="http://schemas.microsoft.com/office/2006/metadata/properties" xmlns:xsi="http://www.w3.org/2001/XMLSchema-instance" xmlns:pc="http://schemas.microsoft.com/office/infopath/2007/PartnerControls">
+  <documentManagement>
+    <lcf76f155ced4ddcb4097134ff3c332f xmlns="313b7cf0-601a-4586-b26f-7ab1bafa9146">
+      <Terms xmlns="http://schemas.microsoft.com/office/infopath/2007/PartnerControls"/>
+    </lcf76f155ced4ddcb4097134ff3c332f>
+    <TaxCatchAll xmlns="80ab13a8-1c09-4e20-8cc8-05a062865b29" xsi:nil="true"/>
+  </documentManagement>
+</p:properties>
+</file>
+
+<file path=customXml/item3.xml><?xml version="1.0" encoding="utf-8"?>
+<?mso-contentType ?>
+<FormTemplates xmlns="http://schemas.microsoft.com/sharepoint/v3/contenttype/forms">
+  <Display>DocumentLibraryForm</Display>
+  <Edit>DocumentLibraryForm</Edit>
+  <New>DocumentLibraryForm</New>
+</FormTemplates>
+</file>
+
 <file path=customXml/itemProps1.xml><?xml version="1.0" encoding="utf-8"?>
-<ds:datastoreItem xmlns:ds="http://schemas.openxmlformats.org/officeDocument/2006/customXml" ds:itemID="{3D865BEA-399E-46B5-8D85-FF93E7A71E6C}">
+<ds:datastoreItem xmlns:ds="http://schemas.openxmlformats.org/officeDocument/2006/customXml" ds:itemID="{05980E8A-019F-463D-967C-773134840E42}">
   <ds:schemaRefs>
-    <ds:schemaRef ds:uri="http://schemas.microsoft.com/sharepoint/v3/contenttype/forms"/>
+    <ds:schemaRef ds:uri="http://schemas.microsoft.com/office/2006/metadata/contentType"/>
+    <ds:schemaRef ds:uri="http://schemas.microsoft.com/office/2006/metadata/properties/metaAttributes"/>
+    <ds:schemaRef ds:uri="http://www.w3.org/2001/XMLSchema"/>
+    <ds:schemaRef ds:uri="http://schemas.microsoft.com/office/2006/metadata/properties"/>
+    <ds:schemaRef ds:uri="80ab13a8-1c09-4e20-8cc8-05a062865b29"/>
+    <ds:schemaRef ds:uri="313b7cf0-601a-4586-b26f-7ab1bafa9146"/>
+    <ds:schemaRef ds:uri="http://schemas.microsoft.com/office/2006/documentManagement/types"/>
+    <ds:schemaRef ds:uri="http://schemas.microsoft.com/office/infopath/2007/PartnerControls"/>
+    <ds:schemaRef ds:uri="http://schemas.openxmlformats.org/package/2006/metadata/core-properties"/>
+    <ds:schemaRef ds:uri="http://purl.org/dc/elements/1.1/"/>
+    <ds:schemaRef ds:uri="http://purl.org/dc/terms/"/>
+    <ds:schemaRef ds:uri="http://schemas.microsoft.com/internal/obd"/>
   </ds:schemaRefs>
 </ds:datastoreItem>
 </file>
@@ -4387,20 +4683,9 @@
 </file>
 
 <file path=customXml/itemProps3.xml><?xml version="1.0" encoding="utf-8"?>
-<ds:datastoreItem xmlns:ds="http://schemas.openxmlformats.org/officeDocument/2006/customXml" ds:itemID="{05980E8A-019F-463D-967C-773134840E42}">
+<ds:datastoreItem xmlns:ds="http://schemas.openxmlformats.org/officeDocument/2006/customXml" ds:itemID="{3D865BEA-399E-46B5-8D85-FF93E7A71E6C}">
   <ds:schemaRefs>
-    <ds:schemaRef ds:uri="http://schemas.microsoft.com/office/2006/metadata/contentType"/>
-    <ds:schemaRef ds:uri="http://schemas.microsoft.com/office/2006/metadata/properties/metaAttributes"/>
-    <ds:schemaRef ds:uri="http://www.w3.org/2001/XMLSchema"/>
-    <ds:schemaRef ds:uri="http://schemas.microsoft.com/office/2006/metadata/properties"/>
-    <ds:schemaRef ds:uri="80ab13a8-1c09-4e20-8cc8-05a062865b29"/>
-    <ds:schemaRef ds:uri="313b7cf0-601a-4586-b26f-7ab1bafa9146"/>
-    <ds:schemaRef ds:uri="http://schemas.microsoft.com/office/2006/documentManagement/types"/>
-    <ds:schemaRef ds:uri="http://schemas.microsoft.com/office/infopath/2007/PartnerControls"/>
-    <ds:schemaRef ds:uri="http://schemas.openxmlformats.org/package/2006/metadata/core-properties"/>
-    <ds:schemaRef ds:uri="http://purl.org/dc/elements/1.1/"/>
-    <ds:schemaRef ds:uri="http://purl.org/dc/terms/"/>
-    <ds:schemaRef ds:uri="http://schemas.microsoft.com/internal/obd"/>
+    <ds:schemaRef ds:uri="http://schemas.microsoft.com/sharepoint/v3/contenttype/forms"/>
   </ds:schemaRefs>
 </ds:datastoreItem>
 </file>